--- a/第四阶段总结PPT.pptx
+++ b/第四阶段总结PPT.pptx
@@ -113,6 +113,11 @@
       </a:defRPr>
     </a:lvl9pPr>
   </p:defaultTextStyle>
+  <p:extLst>
+    <p:ext uri="{EFAFB233-063F-42B5-8137-9DF3F51BA10A}">
+      <p15:sldGuideLst xmlns:p15="http://schemas.microsoft.com/office/powerpoint/2012/main"/>
+    </p:ext>
+  </p:extLst>
 </p:presentation>
 </file>
 
@@ -263,7 +268,7 @@
           <a:p>
             <a:fld id="{17557F33-2FBE-455E-B3D9-0408DE8C617B}" type="datetimeFigureOut">
               <a:rPr lang="zh-CN" altLang="en-US" smtClean="0"/>
-              <a:t>2025/6/20</a:t>
+              <a:t>2025/6/21</a:t>
             </a:fld>
             <a:endParaRPr lang="zh-CN" altLang="en-US"/>
           </a:p>
@@ -461,7 +466,7 @@
           <a:p>
             <a:fld id="{17557F33-2FBE-455E-B3D9-0408DE8C617B}" type="datetimeFigureOut">
               <a:rPr lang="zh-CN" altLang="en-US" smtClean="0"/>
-              <a:t>2025/6/20</a:t>
+              <a:t>2025/6/21</a:t>
             </a:fld>
             <a:endParaRPr lang="zh-CN" altLang="en-US"/>
           </a:p>
@@ -669,7 +674,7 @@
           <a:p>
             <a:fld id="{17557F33-2FBE-455E-B3D9-0408DE8C617B}" type="datetimeFigureOut">
               <a:rPr lang="zh-CN" altLang="en-US" smtClean="0"/>
-              <a:t>2025/6/20</a:t>
+              <a:t>2025/6/21</a:t>
             </a:fld>
             <a:endParaRPr lang="zh-CN" altLang="en-US"/>
           </a:p>
@@ -867,7 +872,7 @@
           <a:p>
             <a:fld id="{17557F33-2FBE-455E-B3D9-0408DE8C617B}" type="datetimeFigureOut">
               <a:rPr lang="zh-CN" altLang="en-US" smtClean="0"/>
-              <a:t>2025/6/20</a:t>
+              <a:t>2025/6/21</a:t>
             </a:fld>
             <a:endParaRPr lang="zh-CN" altLang="en-US"/>
           </a:p>
@@ -1142,7 +1147,7 @@
           <a:p>
             <a:fld id="{17557F33-2FBE-455E-B3D9-0408DE8C617B}" type="datetimeFigureOut">
               <a:rPr lang="zh-CN" altLang="en-US" smtClean="0"/>
-              <a:t>2025/6/20</a:t>
+              <a:t>2025/6/21</a:t>
             </a:fld>
             <a:endParaRPr lang="zh-CN" altLang="en-US"/>
           </a:p>
@@ -1407,7 +1412,7 @@
           <a:p>
             <a:fld id="{17557F33-2FBE-455E-B3D9-0408DE8C617B}" type="datetimeFigureOut">
               <a:rPr lang="zh-CN" altLang="en-US" smtClean="0"/>
-              <a:t>2025/6/20</a:t>
+              <a:t>2025/6/21</a:t>
             </a:fld>
             <a:endParaRPr lang="zh-CN" altLang="en-US"/>
           </a:p>
@@ -1819,7 +1824,7 @@
           <a:p>
             <a:fld id="{17557F33-2FBE-455E-B3D9-0408DE8C617B}" type="datetimeFigureOut">
               <a:rPr lang="zh-CN" altLang="en-US" smtClean="0"/>
-              <a:t>2025/6/20</a:t>
+              <a:t>2025/6/21</a:t>
             </a:fld>
             <a:endParaRPr lang="zh-CN" altLang="en-US"/>
           </a:p>
@@ -1960,7 +1965,7 @@
           <a:p>
             <a:fld id="{17557F33-2FBE-455E-B3D9-0408DE8C617B}" type="datetimeFigureOut">
               <a:rPr lang="zh-CN" altLang="en-US" smtClean="0"/>
-              <a:t>2025/6/20</a:t>
+              <a:t>2025/6/21</a:t>
             </a:fld>
             <a:endParaRPr lang="zh-CN" altLang="en-US"/>
           </a:p>
@@ -2073,7 +2078,7 @@
           <a:p>
             <a:fld id="{17557F33-2FBE-455E-B3D9-0408DE8C617B}" type="datetimeFigureOut">
               <a:rPr lang="zh-CN" altLang="en-US" smtClean="0"/>
-              <a:t>2025/6/20</a:t>
+              <a:t>2025/6/21</a:t>
             </a:fld>
             <a:endParaRPr lang="zh-CN" altLang="en-US"/>
           </a:p>
@@ -2384,7 +2389,7 @@
           <a:p>
             <a:fld id="{17557F33-2FBE-455E-B3D9-0408DE8C617B}" type="datetimeFigureOut">
               <a:rPr lang="zh-CN" altLang="en-US" smtClean="0"/>
-              <a:t>2025/6/20</a:t>
+              <a:t>2025/6/21</a:t>
             </a:fld>
             <a:endParaRPr lang="zh-CN" altLang="en-US"/>
           </a:p>
@@ -2675,7 +2680,7 @@
           <a:p>
             <a:fld id="{17557F33-2FBE-455E-B3D9-0408DE8C617B}" type="datetimeFigureOut">
               <a:rPr lang="zh-CN" altLang="en-US" smtClean="0"/>
-              <a:t>2025/6/20</a:t>
+              <a:t>2025/6/21</a:t>
             </a:fld>
             <a:endParaRPr lang="zh-CN" altLang="en-US"/>
           </a:p>
@@ -2916,7 +2921,7 @@
           <a:p>
             <a:fld id="{17557F33-2FBE-455E-B3D9-0408DE8C617B}" type="datetimeFigureOut">
               <a:rPr lang="zh-CN" altLang="en-US" smtClean="0"/>
-              <a:t>2025/6/20</a:t>
+              <a:t>2025/6/21</a:t>
             </a:fld>
             <a:endParaRPr lang="zh-CN" altLang="en-US"/>
           </a:p>
@@ -3651,6 +3656,18 @@
   <p:clrMapOvr>
     <a:masterClrMapping/>
   </p:clrMapOvr>
+  <mc:AlternateContent xmlns:mc="http://schemas.openxmlformats.org/markup-compatibility/2006">
+    <mc:Choice xmlns:p14="http://schemas.microsoft.com/office/powerpoint/2010/main" Requires="p14">
+      <p:transition p14:dur="300">
+        <p14:window dir="vert"/>
+      </p:transition>
+    </mc:Choice>
+    <mc:Fallback>
+      <p:transition>
+        <p:fade/>
+      </p:transition>
+    </mc:Fallback>
+  </mc:AlternateContent>
 </p:sld>
 </file>
 
@@ -3752,8 +3769,8 @@
         </p:nvSpPr>
         <p:spPr>
           <a:xfrm>
-            <a:off x="285134" y="272347"/>
-            <a:ext cx="4031227" cy="484737"/>
+            <a:off x="400880" y="272347"/>
+            <a:ext cx="11381143" cy="484737"/>
           </a:xfrm>
           <a:prstGeom prst="round2DiagRect">
             <a:avLst>
@@ -3792,7 +3809,7 @@
           <a:p>
             <a:pPr algn="ctr"/>
             <a:r>
-              <a:rPr lang="zh-CN" altLang="en-US" sz="1600" dirty="0">
+              <a:rPr lang="zh-CN" altLang="en-US" b="1" dirty="0">
                 <a:solidFill>
                   <a:schemeClr val="bg1"/>
                 </a:solidFill>
@@ -3801,6 +3818,13 @@
               </a:rPr>
               <a:t>附录</a:t>
             </a:r>
+            <a:endParaRPr lang="zh-CN" altLang="en-US" sz="1600" b="1" dirty="0">
+              <a:solidFill>
+                <a:schemeClr val="bg1"/>
+              </a:solidFill>
+              <a:latin typeface="微软雅黑" panose="020B0503020204020204" pitchFamily="34" charset="-122"/>
+              <a:ea typeface="微软雅黑" panose="020B0503020204020204" pitchFamily="34" charset="-122"/>
+            </a:endParaRPr>
           </a:p>
         </p:txBody>
       </p:sp>
@@ -3855,20 +3879,20 @@
           <a:p>
             <a:pPr algn="ctr"/>
             <a:r>
-              <a:rPr lang="en-US" altLang="zh-CN" dirty="0">
+              <a:rPr lang="en-US" altLang="zh-CN" sz="1400" b="1" dirty="0">
                 <a:latin typeface="微软雅黑" panose="020B0503020204020204" pitchFamily="34" charset="-122"/>
                 <a:ea typeface="微软雅黑" panose="020B0503020204020204" pitchFamily="34" charset="-122"/>
               </a:rPr>
               <a:t>WGPU/</a:t>
             </a:r>
             <a:r>
-              <a:rPr lang="en-US" altLang="zh-CN" dirty="0" err="1">
+              <a:rPr lang="en-US" altLang="zh-CN" sz="1400" b="1" dirty="0" err="1">
                 <a:latin typeface="微软雅黑" panose="020B0503020204020204" pitchFamily="34" charset="-122"/>
                 <a:ea typeface="微软雅黑" panose="020B0503020204020204" pitchFamily="34" charset="-122"/>
               </a:rPr>
               <a:t>WebGPU</a:t>
             </a:r>
-            <a:endParaRPr lang="zh-CN" altLang="en-US" dirty="0">
+            <a:endParaRPr lang="zh-CN" altLang="en-US" sz="1400" b="1" dirty="0">
               <a:latin typeface="微软雅黑" panose="020B0503020204020204" pitchFamily="34" charset="-122"/>
               <a:ea typeface="微软雅黑" panose="020B0503020204020204" pitchFamily="34" charset="-122"/>
             </a:endParaRPr>
@@ -3926,13 +3950,13 @@
           <a:p>
             <a:pPr algn="ctr"/>
             <a:r>
-              <a:rPr lang="en-US" altLang="zh-CN" dirty="0">
+              <a:rPr lang="en-US" altLang="zh-CN" sz="1400" b="1" dirty="0">
                 <a:latin typeface="微软雅黑" panose="020B0503020204020204" pitchFamily="34" charset="-122"/>
                 <a:ea typeface="微软雅黑" panose="020B0503020204020204" pitchFamily="34" charset="-122"/>
               </a:rPr>
               <a:t>WGPU-Core</a:t>
             </a:r>
-            <a:endParaRPr lang="zh-CN" altLang="en-US" dirty="0">
+            <a:endParaRPr lang="zh-CN" altLang="en-US" sz="1400" b="1" dirty="0">
               <a:latin typeface="微软雅黑" panose="020B0503020204020204" pitchFamily="34" charset="-122"/>
               <a:ea typeface="微软雅黑" panose="020B0503020204020204" pitchFamily="34" charset="-122"/>
             </a:endParaRPr>
@@ -3990,13 +4014,13 @@
           <a:p>
             <a:pPr algn="ctr"/>
             <a:r>
-              <a:rPr lang="en-US" altLang="zh-CN" dirty="0">
+              <a:rPr lang="en-US" altLang="zh-CN" sz="1400" b="1" dirty="0">
                 <a:latin typeface="微软雅黑" panose="020B0503020204020204" pitchFamily="34" charset="-122"/>
                 <a:ea typeface="微软雅黑" panose="020B0503020204020204" pitchFamily="34" charset="-122"/>
               </a:rPr>
               <a:t>WGPU-HAL</a:t>
             </a:r>
-            <a:endParaRPr lang="zh-CN" altLang="en-US" dirty="0">
+            <a:endParaRPr lang="zh-CN" altLang="en-US" sz="1400" b="1" dirty="0">
               <a:latin typeface="微软雅黑" panose="020B0503020204020204" pitchFamily="34" charset="-122"/>
               <a:ea typeface="微软雅黑" panose="020B0503020204020204" pitchFamily="34" charset="-122"/>
             </a:endParaRPr>
@@ -4054,13 +4078,13 @@
           <a:p>
             <a:pPr algn="ctr"/>
             <a:r>
-              <a:rPr lang="en-US" altLang="zh-CN" dirty="0" err="1">
+              <a:rPr lang="en-US" altLang="zh-CN" sz="1400" b="1" dirty="0" err="1">
                 <a:latin typeface="微软雅黑" panose="020B0503020204020204" pitchFamily="34" charset="-122"/>
                 <a:ea typeface="微软雅黑" panose="020B0503020204020204" pitchFamily="34" charset="-122"/>
               </a:rPr>
               <a:t>vk</a:t>
             </a:r>
-            <a:endParaRPr lang="zh-CN" altLang="en-US" dirty="0">
+            <a:endParaRPr lang="zh-CN" altLang="en-US" sz="1400" b="1" dirty="0">
               <a:latin typeface="微软雅黑" panose="020B0503020204020204" pitchFamily="34" charset="-122"/>
               <a:ea typeface="微软雅黑" panose="020B0503020204020204" pitchFamily="34" charset="-122"/>
             </a:endParaRPr>
@@ -4118,13 +4142,13 @@
           <a:p>
             <a:pPr algn="ctr"/>
             <a:r>
-              <a:rPr lang="en-US" altLang="zh-CN" dirty="0" err="1">
+              <a:rPr lang="en-US" altLang="zh-CN" sz="1400" b="1" dirty="0" err="1">
                 <a:latin typeface="微软雅黑" panose="020B0503020204020204" pitchFamily="34" charset="-122"/>
                 <a:ea typeface="微软雅黑" panose="020B0503020204020204" pitchFamily="34" charset="-122"/>
               </a:rPr>
               <a:t>gl</a:t>
             </a:r>
-            <a:endParaRPr lang="zh-CN" altLang="en-US" dirty="0">
+            <a:endParaRPr lang="zh-CN" altLang="en-US" sz="1400" b="1" dirty="0">
               <a:latin typeface="微软雅黑" panose="020B0503020204020204" pitchFamily="34" charset="-122"/>
               <a:ea typeface="微软雅黑" panose="020B0503020204020204" pitchFamily="34" charset="-122"/>
             </a:endParaRPr>
@@ -4182,13 +4206,13 @@
           <a:p>
             <a:pPr algn="ctr"/>
             <a:r>
-              <a:rPr lang="en-US" altLang="zh-CN" dirty="0" err="1">
+              <a:rPr lang="en-US" altLang="zh-CN" sz="1400" b="1" dirty="0" err="1">
                 <a:latin typeface="微软雅黑" panose="020B0503020204020204" pitchFamily="34" charset="-122"/>
                 <a:ea typeface="微软雅黑" panose="020B0503020204020204" pitchFamily="34" charset="-122"/>
               </a:rPr>
               <a:t>mtl</a:t>
             </a:r>
-            <a:endParaRPr lang="zh-CN" altLang="en-US" dirty="0">
+            <a:endParaRPr lang="zh-CN" altLang="en-US" sz="1400" b="1" dirty="0">
               <a:latin typeface="微软雅黑" panose="020B0503020204020204" pitchFamily="34" charset="-122"/>
               <a:ea typeface="微软雅黑" panose="020B0503020204020204" pitchFamily="34" charset="-122"/>
             </a:endParaRPr>
@@ -4246,13 +4270,13 @@
           <a:p>
             <a:pPr algn="ctr"/>
             <a:r>
-              <a:rPr lang="en-US" altLang="zh-CN" dirty="0">
+              <a:rPr lang="en-US" altLang="zh-CN" sz="1400" b="1" dirty="0">
                 <a:latin typeface="微软雅黑" panose="020B0503020204020204" pitchFamily="34" charset="-122"/>
                 <a:ea typeface="微软雅黑" panose="020B0503020204020204" pitchFamily="34" charset="-122"/>
               </a:rPr>
               <a:t>d3d</a:t>
             </a:r>
-            <a:endParaRPr lang="zh-CN" altLang="en-US" dirty="0">
+            <a:endParaRPr lang="zh-CN" altLang="en-US" sz="1400" b="1" dirty="0">
               <a:latin typeface="微软雅黑" panose="020B0503020204020204" pitchFamily="34" charset="-122"/>
               <a:ea typeface="微软雅黑" panose="020B0503020204020204" pitchFamily="34" charset="-122"/>
             </a:endParaRPr>
@@ -4312,21 +4336,21 @@
           <a:p>
             <a:pPr algn="ctr"/>
             <a:r>
-              <a:rPr lang="zh-CN" altLang="en-US" dirty="0">
+              <a:rPr lang="zh-CN" altLang="en-US" sz="1400" b="1" dirty="0">
                 <a:latin typeface="微软雅黑" panose="020B0503020204020204" pitchFamily="34" charset="-122"/>
                 <a:ea typeface="微软雅黑" panose="020B0503020204020204" pitchFamily="34" charset="-122"/>
               </a:rPr>
               <a:t>硬件厂商提供的 </a:t>
             </a:r>
             <a:r>
-              <a:rPr lang="en-US" altLang="zh-CN" dirty="0">
+              <a:rPr lang="en-US" altLang="zh-CN" sz="1400" b="1" dirty="0">
                 <a:latin typeface="微软雅黑" panose="020B0503020204020204" pitchFamily="34" charset="-122"/>
                 <a:ea typeface="微软雅黑" panose="020B0503020204020204" pitchFamily="34" charset="-122"/>
               </a:rPr>
               <a:t>ICD </a:t>
             </a:r>
             <a:r>
-              <a:rPr lang="zh-CN" altLang="en-US" dirty="0">
+              <a:rPr lang="zh-CN" altLang="en-US" sz="1400" b="1" dirty="0">
                 <a:latin typeface="微软雅黑" panose="020B0503020204020204" pitchFamily="34" charset="-122"/>
                 <a:ea typeface="微软雅黑" panose="020B0503020204020204" pitchFamily="34" charset="-122"/>
               </a:rPr>
@@ -4386,13 +4410,13 @@
           <a:p>
             <a:pPr algn="ctr"/>
             <a:r>
-              <a:rPr lang="en-US" altLang="zh-CN" dirty="0">
+              <a:rPr lang="en-US" altLang="zh-CN" sz="1400" b="1" dirty="0">
                 <a:latin typeface="微软雅黑" panose="020B0503020204020204" pitchFamily="34" charset="-122"/>
                 <a:ea typeface="微软雅黑" panose="020B0503020204020204" pitchFamily="34" charset="-122"/>
               </a:rPr>
               <a:t>Kernel - GPU</a:t>
             </a:r>
-            <a:endParaRPr lang="zh-CN" altLang="en-US" dirty="0">
+            <a:endParaRPr lang="zh-CN" altLang="en-US" sz="1400" b="1" dirty="0">
               <a:latin typeface="微软雅黑" panose="020B0503020204020204" pitchFamily="34" charset="-122"/>
               <a:ea typeface="微软雅黑" panose="020B0503020204020204" pitchFamily="34" charset="-122"/>
             </a:endParaRPr>
@@ -4450,13 +4474,13 @@
           <a:p>
             <a:pPr algn="ctr"/>
             <a:r>
-              <a:rPr lang="en-US" altLang="zh-CN" dirty="0">
+              <a:rPr lang="en-US" altLang="zh-CN" sz="1400" b="1" dirty="0">
                 <a:latin typeface="微软雅黑" panose="020B0503020204020204" pitchFamily="34" charset="-122"/>
                 <a:ea typeface="微软雅黑" panose="020B0503020204020204" pitchFamily="34" charset="-122"/>
               </a:rPr>
               <a:t>Runtime - CPU</a:t>
             </a:r>
-            <a:endParaRPr lang="zh-CN" altLang="en-US" dirty="0">
+            <a:endParaRPr lang="zh-CN" altLang="en-US" sz="1400" b="1" dirty="0">
               <a:latin typeface="微软雅黑" panose="020B0503020204020204" pitchFamily="34" charset="-122"/>
               <a:ea typeface="微软雅黑" panose="020B0503020204020204" pitchFamily="34" charset="-122"/>
             </a:endParaRPr>
@@ -4514,7 +4538,7 @@
           <a:p>
             <a:pPr algn="ctr"/>
             <a:r>
-              <a:rPr lang="zh-CN" altLang="en-US" dirty="0">
+              <a:rPr lang="zh-CN" altLang="en-US" sz="1400" b="1" dirty="0">
                 <a:latin typeface="微软雅黑" panose="020B0503020204020204" pitchFamily="34" charset="-122"/>
                 <a:ea typeface="微软雅黑" panose="020B0503020204020204" pitchFamily="34" charset="-122"/>
               </a:rPr>
@@ -4574,28 +4598,28 @@
           <a:p>
             <a:pPr algn="ctr"/>
             <a:r>
-              <a:rPr lang="en-US" altLang="zh-CN" dirty="0">
+              <a:rPr lang="en-US" altLang="zh-CN" sz="1400" b="1" dirty="0">
                 <a:latin typeface="微软雅黑" panose="020B0503020204020204" pitchFamily="34" charset="-122"/>
                 <a:ea typeface="微软雅黑" panose="020B0503020204020204" pitchFamily="34" charset="-122"/>
               </a:rPr>
               <a:t>GPU</a:t>
             </a:r>
             <a:r>
-              <a:rPr lang="zh-CN" altLang="en-US" dirty="0">
+              <a:rPr lang="zh-CN" altLang="en-US" sz="1400" b="1" dirty="0">
                 <a:latin typeface="微软雅黑" panose="020B0503020204020204" pitchFamily="34" charset="-122"/>
                 <a:ea typeface="微软雅黑" panose="020B0503020204020204" pitchFamily="34" charset="-122"/>
               </a:rPr>
               <a:t>架构 </a:t>
             </a:r>
             <a:r>
-              <a:rPr lang="en-US" altLang="zh-CN" dirty="0">
+              <a:rPr lang="en-US" altLang="zh-CN" sz="1400" b="1" dirty="0">
                 <a:latin typeface="微软雅黑" panose="020B0503020204020204" pitchFamily="34" charset="-122"/>
                 <a:ea typeface="微软雅黑" panose="020B0503020204020204" pitchFamily="34" charset="-122"/>
               </a:rPr>
               <a:t>– </a:t>
             </a:r>
             <a:r>
-              <a:rPr lang="zh-CN" altLang="en-US" dirty="0">
+              <a:rPr lang="zh-CN" altLang="en-US" sz="1400" b="1" dirty="0">
                 <a:latin typeface="微软雅黑" panose="020B0503020204020204" pitchFamily="34" charset="-122"/>
                 <a:ea typeface="微软雅黑" panose="020B0503020204020204" pitchFamily="34" charset="-122"/>
               </a:rPr>
@@ -4655,20 +4679,20 @@
           <a:p>
             <a:pPr algn="ctr"/>
             <a:r>
-              <a:rPr lang="en-US" altLang="zh-CN" dirty="0" err="1">
+              <a:rPr lang="en-US" altLang="zh-CN" sz="1400" b="1" dirty="0" err="1">
                 <a:latin typeface="微软雅黑" panose="020B0503020204020204" pitchFamily="34" charset="-122"/>
                 <a:ea typeface="微软雅黑" panose="020B0503020204020204" pitchFamily="34" charset="-122"/>
               </a:rPr>
               <a:t>device.await</a:t>
             </a:r>
             <a:r>
-              <a:rPr lang="en-US" altLang="zh-CN" dirty="0">
+              <a:rPr lang="en-US" altLang="zh-CN" sz="1400" b="1" dirty="0">
                 <a:latin typeface="微软雅黑" panose="020B0503020204020204" pitchFamily="34" charset="-122"/>
                 <a:ea typeface="微软雅黑" panose="020B0503020204020204" pitchFamily="34" charset="-122"/>
               </a:rPr>
               <a:t> / layout / pipeline</a:t>
             </a:r>
-            <a:endParaRPr lang="zh-CN" altLang="en-US" dirty="0">
+            <a:endParaRPr lang="zh-CN" altLang="en-US" sz="1400" b="1" dirty="0">
               <a:latin typeface="微软雅黑" panose="020B0503020204020204" pitchFamily="34" charset="-122"/>
               <a:ea typeface="微软雅黑" panose="020B0503020204020204" pitchFamily="34" charset="-122"/>
             </a:endParaRPr>
@@ -4726,21 +4750,21 @@
           <a:p>
             <a:pPr algn="ctr"/>
             <a:r>
-              <a:rPr lang="zh-CN" altLang="en-US" dirty="0">
+              <a:rPr lang="zh-CN" altLang="en-US" sz="1400" b="1" dirty="0">
                 <a:latin typeface="微软雅黑" panose="020B0503020204020204" pitchFamily="34" charset="-122"/>
                 <a:ea typeface="微软雅黑" panose="020B0503020204020204" pitchFamily="34" charset="-122"/>
               </a:rPr>
               <a:t>未屏蔽实现细节的 </a:t>
             </a:r>
             <a:r>
-              <a:rPr lang="en-US" altLang="zh-CN" dirty="0">
+              <a:rPr lang="en-US" altLang="zh-CN" sz="1400" b="1" dirty="0">
                 <a:latin typeface="微软雅黑" panose="020B0503020204020204" pitchFamily="34" charset="-122"/>
                 <a:ea typeface="微软雅黑" panose="020B0503020204020204" pitchFamily="34" charset="-122"/>
               </a:rPr>
               <a:t>Instance::new </a:t>
             </a:r>
             <a:r>
-              <a:rPr lang="zh-CN" altLang="en-US" dirty="0">
+              <a:rPr lang="zh-CN" altLang="en-US" sz="1400" b="1" dirty="0">
                 <a:latin typeface="微软雅黑" panose="020B0503020204020204" pitchFamily="34" charset="-122"/>
                 <a:ea typeface="微软雅黑" panose="020B0503020204020204" pitchFamily="34" charset="-122"/>
               </a:rPr>
@@ -4800,21 +4824,21 @@
           <a:p>
             <a:pPr algn="ctr"/>
             <a:r>
-              <a:rPr lang="zh-CN" altLang="en-US" dirty="0">
+              <a:rPr lang="zh-CN" altLang="en-US" sz="1400" b="1" dirty="0">
                 <a:latin typeface="微软雅黑" panose="020B0503020204020204" pitchFamily="34" charset="-122"/>
                 <a:ea typeface="微软雅黑" panose="020B0503020204020204" pitchFamily="34" charset="-122"/>
               </a:rPr>
               <a:t>定义了 </a:t>
             </a:r>
             <a:r>
-              <a:rPr lang="en-US" altLang="zh-CN" dirty="0">
+              <a:rPr lang="en-US" altLang="zh-CN" sz="1400" b="1" dirty="0">
                 <a:latin typeface="微软雅黑" panose="020B0503020204020204" pitchFamily="34" charset="-122"/>
                 <a:ea typeface="微软雅黑" panose="020B0503020204020204" pitchFamily="34" charset="-122"/>
               </a:rPr>
               <a:t>pipeline / buffer </a:t>
             </a:r>
             <a:r>
-              <a:rPr lang="zh-CN" altLang="en-US" dirty="0">
+              <a:rPr lang="zh-CN" altLang="en-US" sz="1400" b="1" dirty="0">
                 <a:latin typeface="微软雅黑" panose="020B0503020204020204" pitchFamily="34" charset="-122"/>
                 <a:ea typeface="微软雅黑" panose="020B0503020204020204" pitchFamily="34" charset="-122"/>
               </a:rPr>
@@ -4874,13 +4898,13 @@
           <a:p>
             <a:pPr algn="ctr"/>
             <a:r>
-              <a:rPr lang="en-US" altLang="zh-CN" dirty="0">
+              <a:rPr lang="en-US" altLang="zh-CN" sz="1400" b="1" dirty="0">
                 <a:latin typeface="微软雅黑" panose="020B0503020204020204" pitchFamily="34" charset="-122"/>
                 <a:ea typeface="微软雅黑" panose="020B0503020204020204" pitchFamily="34" charset="-122"/>
               </a:rPr>
               <a:t>GPGPU ABIs</a:t>
             </a:r>
-            <a:endParaRPr lang="zh-CN" altLang="en-US" dirty="0">
+            <a:endParaRPr lang="zh-CN" altLang="en-US" sz="1400" b="1" dirty="0">
               <a:latin typeface="微软雅黑" panose="020B0503020204020204" pitchFamily="34" charset="-122"/>
               <a:ea typeface="微软雅黑" panose="020B0503020204020204" pitchFamily="34" charset="-122"/>
             </a:endParaRPr>
@@ -4938,21 +4962,21 @@
           <a:p>
             <a:pPr algn="ctr"/>
             <a:r>
-              <a:rPr lang="zh-CN" altLang="en-US" dirty="0">
+              <a:rPr lang="zh-CN" altLang="en-US" sz="1400" b="1" dirty="0">
                 <a:latin typeface="微软雅黑" panose="020B0503020204020204" pitchFamily="34" charset="-122"/>
                 <a:ea typeface="微软雅黑" panose="020B0503020204020204" pitchFamily="34" charset="-122"/>
               </a:rPr>
               <a:t>需要继续看完</a:t>
             </a:r>
             <a:r>
-              <a:rPr lang="en-US" altLang="zh-CN" dirty="0">
+              <a:rPr lang="en-US" altLang="zh-CN" sz="1400" b="1" dirty="0">
                 <a:latin typeface="微软雅黑" panose="020B0503020204020204" pitchFamily="34" charset="-122"/>
                 <a:ea typeface="微软雅黑" panose="020B0503020204020204" pitchFamily="34" charset="-122"/>
               </a:rPr>
               <a:t>POCL</a:t>
             </a:r>
             <a:r>
-              <a:rPr lang="zh-CN" altLang="en-US" dirty="0">
+              <a:rPr lang="zh-CN" altLang="en-US" sz="1400" b="1" dirty="0">
                 <a:latin typeface="微软雅黑" panose="020B0503020204020204" pitchFamily="34" charset="-122"/>
                 <a:ea typeface="微软雅黑" panose="020B0503020204020204" pitchFamily="34" charset="-122"/>
               </a:rPr>
@@ -5012,35 +5036,35 @@
           <a:p>
             <a:pPr algn="ctr"/>
             <a:r>
-              <a:rPr lang="zh-CN" altLang="en-US" dirty="0">
+              <a:rPr lang="zh-CN" altLang="en-US" sz="1400" b="1" dirty="0">
                 <a:latin typeface="微软雅黑" panose="020B0503020204020204" pitchFamily="34" charset="-122"/>
                 <a:ea typeface="微软雅黑" panose="020B0503020204020204" pitchFamily="34" charset="-122"/>
               </a:rPr>
               <a:t>相当于 </a:t>
             </a:r>
             <a:r>
-              <a:rPr lang="en-US" altLang="zh-CN" dirty="0">
+              <a:rPr lang="en-US" altLang="zh-CN" sz="1400" b="1" dirty="0">
                 <a:latin typeface="微软雅黑" panose="020B0503020204020204" pitchFamily="34" charset="-122"/>
                 <a:ea typeface="微软雅黑" panose="020B0503020204020204" pitchFamily="34" charset="-122"/>
               </a:rPr>
               <a:t>CPU </a:t>
             </a:r>
             <a:r>
-              <a:rPr lang="zh-CN" altLang="en-US" dirty="0">
+              <a:rPr lang="zh-CN" altLang="en-US" sz="1400" b="1" dirty="0">
                 <a:latin typeface="微软雅黑" panose="020B0503020204020204" pitchFamily="34" charset="-122"/>
                 <a:ea typeface="微软雅黑" panose="020B0503020204020204" pitchFamily="34" charset="-122"/>
               </a:rPr>
               <a:t>的 </a:t>
             </a:r>
             <a:r>
-              <a:rPr lang="en-US" altLang="zh-CN" dirty="0">
+              <a:rPr lang="en-US" altLang="zh-CN" sz="1400" b="1" dirty="0">
                 <a:latin typeface="微软雅黑" panose="020B0503020204020204" pitchFamily="34" charset="-122"/>
                 <a:ea typeface="微软雅黑" panose="020B0503020204020204" pitchFamily="34" charset="-122"/>
               </a:rPr>
               <a:t>OS </a:t>
             </a:r>
             <a:r>
-              <a:rPr lang="zh-CN" altLang="en-US" dirty="0">
+              <a:rPr lang="zh-CN" altLang="en-US" sz="1400" b="1" dirty="0">
                 <a:latin typeface="微软雅黑" panose="020B0503020204020204" pitchFamily="34" charset="-122"/>
                 <a:ea typeface="微软雅黑" panose="020B0503020204020204" pitchFamily="34" charset="-122"/>
               </a:rPr>
@@ -5100,7 +5124,7 @@
           <a:p>
             <a:pPr algn="ctr"/>
             <a:r>
-              <a:rPr lang="zh-CN" altLang="en-US" dirty="0">
+              <a:rPr lang="zh-CN" altLang="en-US" sz="1400" b="1" dirty="0">
                 <a:latin typeface="微软雅黑" panose="020B0503020204020204" pitchFamily="34" charset="-122"/>
                 <a:ea typeface="微软雅黑" panose="020B0503020204020204" pitchFamily="34" charset="-122"/>
               </a:rPr>
@@ -5160,21 +5184,21 @@
           <a:p>
             <a:pPr algn="ctr"/>
             <a:r>
-              <a:rPr lang="zh-CN" altLang="en-US" dirty="0">
+              <a:rPr lang="zh-CN" altLang="en-US" sz="1400" b="1" dirty="0">
                 <a:latin typeface="微软雅黑" panose="020B0503020204020204" pitchFamily="34" charset="-122"/>
                 <a:ea typeface="微软雅黑" panose="020B0503020204020204" pitchFamily="34" charset="-122"/>
               </a:rPr>
               <a:t>已经阅读 </a:t>
             </a:r>
             <a:r>
-              <a:rPr lang="en-US" altLang="zh-CN" dirty="0">
+              <a:rPr lang="en-US" altLang="zh-CN" sz="1400" b="1" dirty="0">
                 <a:latin typeface="微软雅黑" panose="020B0503020204020204" pitchFamily="34" charset="-122"/>
                 <a:ea typeface="微软雅黑" panose="020B0503020204020204" pitchFamily="34" charset="-122"/>
               </a:rPr>
               <a:t>Vortex </a:t>
             </a:r>
             <a:r>
-              <a:rPr lang="zh-CN" altLang="en-US" dirty="0">
+              <a:rPr lang="zh-CN" altLang="en-US" sz="1400" b="1" dirty="0">
                 <a:latin typeface="微软雅黑" panose="020B0503020204020204" pitchFamily="34" charset="-122"/>
                 <a:ea typeface="微软雅黑" panose="020B0503020204020204" pitchFamily="34" charset="-122"/>
               </a:rPr>
@@ -5234,7 +5258,7 @@
           <a:p>
             <a:pPr algn="ctr"/>
             <a:r>
-              <a:rPr lang="zh-CN" altLang="en-US" dirty="0">
+              <a:rPr lang="zh-CN" altLang="en-US" sz="1400" b="1" dirty="0">
                 <a:latin typeface="微软雅黑" panose="020B0503020204020204" pitchFamily="34" charset="-122"/>
                 <a:ea typeface="微软雅黑" panose="020B0503020204020204" pitchFamily="34" charset="-122"/>
               </a:rPr>
@@ -5294,7 +5318,7 @@
           <a:p>
             <a:pPr algn="ctr"/>
             <a:r>
-              <a:rPr lang="zh-CN" altLang="en-US" dirty="0">
+              <a:rPr lang="zh-CN" altLang="en-US" sz="1400" b="1" dirty="0">
                 <a:latin typeface="微软雅黑" panose="020B0503020204020204" pitchFamily="34" charset="-122"/>
                 <a:ea typeface="微软雅黑" panose="020B0503020204020204" pitchFamily="34" charset="-122"/>
               </a:rPr>
@@ -5354,7 +5378,7 @@
           <a:p>
             <a:pPr algn="ctr"/>
             <a:r>
-              <a:rPr lang="zh-CN" altLang="en-US" dirty="0">
+              <a:rPr lang="zh-CN" altLang="en-US" sz="1400" b="1" dirty="0">
                 <a:latin typeface="微软雅黑" panose="020B0503020204020204" pitchFamily="34" charset="-122"/>
                 <a:ea typeface="微软雅黑" panose="020B0503020204020204" pitchFamily="34" charset="-122"/>
               </a:rPr>
@@ -5414,7 +5438,7 @@
           <a:p>
             <a:pPr algn="ctr"/>
             <a:r>
-              <a:rPr lang="zh-CN" altLang="en-US" dirty="0">
+              <a:rPr lang="zh-CN" altLang="en-US" sz="1400" b="1" dirty="0">
                 <a:latin typeface="微软雅黑" panose="020B0503020204020204" pitchFamily="34" charset="-122"/>
                 <a:ea typeface="微软雅黑" panose="020B0503020204020204" pitchFamily="34" charset="-122"/>
               </a:rPr>
@@ -5433,6 +5457,9 @@
   <p:clrMapOvr>
     <a:masterClrMapping/>
   </p:clrMapOvr>
+  <p:transition spd="med">
+    <p:pull/>
+  </p:transition>
 </p:sld>
 </file>
 
@@ -5626,6 +5653,9 @@
   <p:clrMapOvr>
     <a:masterClrMapping/>
   </p:clrMapOvr>
+  <p:transition spd="med">
+    <p:pull/>
+  </p:transition>
 </p:sld>
 </file>
 
@@ -5809,6 +5839,36 @@
           </a:prstGeom>
         </p:spPr>
       </p:pic>
+      <p:pic>
+        <p:nvPicPr>
+          <p:cNvPr id="3" name="图片 2">
+            <a:extLst>
+              <a:ext uri="{FF2B5EF4-FFF2-40B4-BE49-F238E27FC236}">
+                <a16:creationId xmlns:a16="http://schemas.microsoft.com/office/drawing/2014/main" id="{79CF5687-BD68-9933-53FC-A1F76ED1A593}"/>
+              </a:ext>
+            </a:extLst>
+          </p:cNvPr>
+          <p:cNvPicPr>
+            <a:picLocks noChangeAspect="1"/>
+          </p:cNvPicPr>
+          <p:nvPr/>
+        </p:nvPicPr>
+        <p:blipFill>
+          <a:blip r:embed="rId3"/>
+          <a:stretch>
+            <a:fillRect/>
+          </a:stretch>
+        </p:blipFill>
+        <p:spPr>
+          <a:xfrm>
+            <a:off x="2395089" y="1309008"/>
+            <a:ext cx="7401821" cy="4416962"/>
+          </a:xfrm>
+          <a:prstGeom prst="rect">
+            <a:avLst/>
+          </a:prstGeom>
+        </p:spPr>
+      </p:pic>
     </p:spTree>
     <p:extLst>
       <p:ext uri="{BB962C8B-B14F-4D97-AF65-F5344CB8AC3E}">
@@ -5819,6 +5879,92 @@
   <p:clrMapOvr>
     <a:masterClrMapping/>
   </p:clrMapOvr>
+  <p:transition spd="med">
+    <p:pull/>
+  </p:transition>
+  <p:timing>
+    <p:tnLst>
+      <p:par>
+        <p:cTn id="1" dur="indefinite" restart="never" nodeType="tmRoot">
+          <p:childTnLst>
+            <p:seq concurrent="1" nextAc="seek">
+              <p:cTn id="2" dur="indefinite" nodeType="mainSeq">
+                <p:childTnLst>
+                  <p:par>
+                    <p:cTn id="3" fill="hold">
+                      <p:stCondLst>
+                        <p:cond delay="indefinite"/>
+                      </p:stCondLst>
+                      <p:childTnLst>
+                        <p:par>
+                          <p:cTn id="4" fill="hold">
+                            <p:stCondLst>
+                              <p:cond delay="0"/>
+                            </p:stCondLst>
+                            <p:childTnLst>
+                              <p:par>
+                                <p:cTn id="5" presetID="22" presetClass="entr" presetSubtype="8" fill="hold" nodeType="clickEffect">
+                                  <p:stCondLst>
+                                    <p:cond delay="0"/>
+                                  </p:stCondLst>
+                                  <p:childTnLst>
+                                    <p:set>
+                                      <p:cBhvr>
+                                        <p:cTn id="6" dur="1" fill="hold">
+                                          <p:stCondLst>
+                                            <p:cond delay="0"/>
+                                          </p:stCondLst>
+                                        </p:cTn>
+                                        <p:tgtEl>
+                                          <p:spTgt spid="3"/>
+                                        </p:tgtEl>
+                                        <p:attrNameLst>
+                                          <p:attrName>style.visibility</p:attrName>
+                                        </p:attrNameLst>
+                                      </p:cBhvr>
+                                      <p:to>
+                                        <p:strVal val="visible"/>
+                                      </p:to>
+                                    </p:set>
+                                    <p:animEffect transition="in" filter="wipe(left)">
+                                      <p:cBhvr>
+                                        <p:cTn id="7" dur="500"/>
+                                        <p:tgtEl>
+                                          <p:spTgt spid="3"/>
+                                        </p:tgtEl>
+                                      </p:cBhvr>
+                                    </p:animEffect>
+                                  </p:childTnLst>
+                                </p:cTn>
+                              </p:par>
+                            </p:childTnLst>
+                          </p:cTn>
+                        </p:par>
+                      </p:childTnLst>
+                    </p:cTn>
+                  </p:par>
+                </p:childTnLst>
+              </p:cTn>
+              <p:prevCondLst>
+                <p:cond evt="onPrev" delay="0">
+                  <p:tgtEl>
+                    <p:sldTgt/>
+                  </p:tgtEl>
+                </p:cond>
+              </p:prevCondLst>
+              <p:nextCondLst>
+                <p:cond evt="onNext" delay="0">
+                  <p:tgtEl>
+                    <p:sldTgt/>
+                  </p:tgtEl>
+                </p:cond>
+              </p:nextCondLst>
+            </p:seq>
+          </p:childTnLst>
+        </p:cTn>
+      </p:par>
+    </p:tnLst>
+  </p:timing>
 </p:sld>
 </file>
 
@@ -6046,6 +6192,9 @@
   <p:clrMapOvr>
     <a:masterClrMapping/>
   </p:clrMapOvr>
+  <p:transition spd="med">
+    <p:pull/>
+  </p:transition>
 </p:sld>
 </file>
 
@@ -6323,6 +6472,9 @@
   <p:clrMapOvr>
     <a:masterClrMapping/>
   </p:clrMapOvr>
+  <p:transition spd="med">
+    <p:pull/>
+  </p:transition>
 </p:sld>
 </file>
 
@@ -6511,7 +6663,7 @@
           <p:nvPr/>
         </p:nvPicPr>
         <p:blipFill>
-          <a:blip r:embed="rId3">
+          <a:blip r:embed="rId2">
             <a:extLst>
               <a:ext uri="{28A0092B-C50C-407E-A947-70E740481C1C}">
                 <a14:useLocalDpi xmlns:a14="http://schemas.microsoft.com/office/drawing/2010/main" val="0"/>
@@ -6605,6 +6757,9 @@
   <p:clrMapOvr>
     <a:masterClrMapping/>
   </p:clrMapOvr>
+  <p:transition spd="med">
+    <p:pull/>
+  </p:transition>
   <p:timing>
     <p:tnLst>
       <p:par>
@@ -7075,6 +7230,9 @@
   <p:clrMapOvr>
     <a:masterClrMapping/>
   </p:clrMapOvr>
+  <p:transition spd="med">
+    <p:pull/>
+  </p:transition>
 </p:sld>
 </file>
 
@@ -7759,6 +7917,9 @@
   <p:clrMapOvr>
     <a:masterClrMapping/>
   </p:clrMapOvr>
+  <p:transition spd="med">
+    <p:pull/>
+  </p:transition>
 </p:sld>
 </file>
 
@@ -7975,6 +8136,9 @@
   <p:clrMapOvr>
     <a:masterClrMapping/>
   </p:clrMapOvr>
+  <p:transition spd="med">
+    <p:pull/>
+  </p:transition>
 </p:sld>
 </file>
 
